--- a/documentation/slides/overview.pptx
+++ b/documentation/slides/overview.pptx
@@ -3674,27 +3674,10 @@
     <dgm:pt modelId="{A0933162-57F0-46D1-9FD8-A6A387A51BE6}">
       <dgm:prSet phldrT="[Text]"/>
       <dgm:spPr>
-        <a:gradFill rotWithShape="0">
-          <a:gsLst>
-            <a:gs pos="0">
-              <a:schemeClr val="tx2"/>
-            </a:gs>
-            <a:gs pos="100000">
-              <a:schemeClr val="accent1">
-                <a:tint val="44500"/>
-                <a:satMod val="160000"/>
-              </a:schemeClr>
-            </a:gs>
-            <a:gs pos="100000">
-              <a:schemeClr val="accent1">
-                <a:tint val="23500"/>
-                <a:satMod val="160000"/>
-                <a:lumMod val="30000"/>
-              </a:schemeClr>
-            </a:gs>
-          </a:gsLst>
-          <a:lin ang="5400000" scaled="0"/>
-        </a:gradFill>
+        <a:noFill/>
+        <a:ln>
+          <a:noFill/>
+        </a:ln>
       </dgm:spPr>
       <dgm:t>
         <a:bodyPr/>
@@ -3752,17 +3735,10 @@
     <dgm:pt modelId="{30CDFDD1-938E-4643-8F59-6E1138130A8E}">
       <dgm:prSet phldrT="[Text]"/>
       <dgm:spPr>
-        <a:gradFill rotWithShape="0">
-          <a:gsLst>
-            <a:gs pos="0">
-              <a:schemeClr val="bg1"/>
-            </a:gs>
-            <a:gs pos="100000">
-              <a:schemeClr val="bg1"/>
-            </a:gs>
-          </a:gsLst>
-          <a:lin ang="5400000" scaled="0"/>
-        </a:gradFill>
+        <a:noFill/>
+        <a:ln>
+          <a:noFill/>
+        </a:ln>
       </dgm:spPr>
       <dgm:t>
         <a:bodyPr/>
@@ -3811,17 +3787,10 @@
     <dgm:pt modelId="{EE026548-A6F6-4A96-AA57-2559EC95E4C6}">
       <dgm:prSet phldrT="[Text]"/>
       <dgm:spPr>
-        <a:gradFill rotWithShape="0">
-          <a:gsLst>
-            <a:gs pos="0">
-              <a:schemeClr val="bg1"/>
-            </a:gs>
-            <a:gs pos="100000">
-              <a:schemeClr val="bg1"/>
-            </a:gs>
-          </a:gsLst>
-          <a:lin ang="5400000" scaled="0"/>
-        </a:gradFill>
+        <a:noFill/>
+        <a:ln>
+          <a:noFill/>
+        </a:ln>
       </dgm:spPr>
       <dgm:t>
         <a:bodyPr/>
@@ -3861,17 +3830,10 @@
     <dgm:pt modelId="{171E6E53-2E31-4F41-B5C0-C28ED01FF18F}">
       <dgm:prSet phldrT="[Text]"/>
       <dgm:spPr>
-        <a:gradFill rotWithShape="0">
-          <a:gsLst>
-            <a:gs pos="0">
-              <a:schemeClr val="bg1"/>
-            </a:gs>
-            <a:gs pos="100000">
-              <a:schemeClr val="bg1"/>
-            </a:gs>
-          </a:gsLst>
-          <a:lin ang="5400000" scaled="0"/>
-        </a:gradFill>
+        <a:noFill/>
+        <a:ln>
+          <a:noFill/>
+        </a:ln>
       </dgm:spPr>
       <dgm:t>
         <a:bodyPr/>
@@ -3973,17 +3935,10 @@
     <dgm:pt modelId="{6D102249-388E-4114-938C-568F7ED0E962}">
       <dgm:prSet phldrT="[Text]"/>
       <dgm:spPr>
-        <a:gradFill rotWithShape="0">
-          <a:gsLst>
-            <a:gs pos="0">
-              <a:schemeClr val="bg1"/>
-            </a:gs>
-            <a:gs pos="100000">
-              <a:schemeClr val="bg1"/>
-            </a:gs>
-          </a:gsLst>
-          <a:lin ang="5400000" scaled="0"/>
-        </a:gradFill>
+        <a:noFill/>
+        <a:ln>
+          <a:noFill/>
+        </a:ln>
       </dgm:spPr>
       <dgm:t>
         <a:bodyPr/>
@@ -4023,17 +3978,10 @@
     <dgm:pt modelId="{195B609D-E0A6-4643-94E4-74392A5B746E}">
       <dgm:prSet phldrT="[Text]"/>
       <dgm:spPr>
-        <a:gradFill rotWithShape="0">
-          <a:gsLst>
-            <a:gs pos="0">
-              <a:schemeClr val="bg1"/>
-            </a:gs>
-            <a:gs pos="100000">
-              <a:schemeClr val="bg1"/>
-            </a:gs>
-          </a:gsLst>
-          <a:lin ang="5400000" scaled="0"/>
-        </a:gradFill>
+        <a:noFill/>
+        <a:ln>
+          <a:noFill/>
+        </a:ln>
       </dgm:spPr>
       <dgm:t>
         <a:bodyPr/>
@@ -4207,20 +4155,20 @@
     </dgm:pt>
   </dgm:ptLst>
   <dgm:cxnLst>
+    <dgm:cxn modelId="{A596CB8A-8E39-4A4D-8F84-8A51D764B326}" srcId="{D6CB3A5A-053D-43D0-A125-D4AA7CF040A6}" destId="{500B66EE-6459-41B9-8551-16A538215D8A}" srcOrd="0" destOrd="0" parTransId="{9878632B-17F8-41B3-B41F-31BA25AD9DF5}" sibTransId="{9D02C961-6363-4D17-B0C9-08987E802229}"/>
+    <dgm:cxn modelId="{BA07C9C0-E849-4F46-950B-F5D3E92013CD}" srcId="{500B66EE-6459-41B9-8551-16A538215D8A}" destId="{171E6E53-2E31-4F41-B5C0-C28ED01FF18F}" srcOrd="5" destOrd="0" parTransId="{54F0E897-790C-4BE1-AD31-4DB54274557B}" sibTransId="{652CD520-2C16-42B3-9433-547FCC6ECE68}"/>
+    <dgm:cxn modelId="{485A7AD4-C164-4F9C-B26C-96A80EEF9E37}" type="presOf" srcId="{30CDFDD1-938E-4643-8F59-6E1138130A8E}" destId="{2CE7DF3D-44DB-466E-B412-159099FBB10A}" srcOrd="0" destOrd="0" presId="urn:microsoft.com/office/officeart/2005/8/layout/radial3"/>
+    <dgm:cxn modelId="{1047FB64-838D-43BA-A92A-96CE38D14D19}" type="presOf" srcId="{171E6E53-2E31-4F41-B5C0-C28ED01FF18F}" destId="{DBA730ED-AE8C-408D-AB44-D9231BA99E3A}" srcOrd="0" destOrd="0" presId="urn:microsoft.com/office/officeart/2005/8/layout/radial3"/>
+    <dgm:cxn modelId="{DDEDA80F-46E7-4872-9F48-BF11BA538A5E}" srcId="{500B66EE-6459-41B9-8551-16A538215D8A}" destId="{30CDFDD1-938E-4643-8F59-6E1138130A8E}" srcOrd="1" destOrd="0" parTransId="{94B2F376-D600-4634-83D1-738DCA4C9077}" sibTransId="{A824C7A2-71E0-4493-AD66-3A98248211E0}"/>
+    <dgm:cxn modelId="{47E45E7A-34B9-4345-9CB6-0839B03D6211}" type="presOf" srcId="{A0933162-57F0-46D1-9FD8-A6A387A51BE6}" destId="{C33DB45A-A779-4B90-A01C-F3A34E6496C7}" srcOrd="0" destOrd="0" presId="urn:microsoft.com/office/officeart/2005/8/layout/radial3"/>
+    <dgm:cxn modelId="{28FB5FDA-8E03-4A8F-BB7A-E854422990A3}" type="presOf" srcId="{EE026548-A6F6-4A96-AA57-2559EC95E4C6}" destId="{4500B9BA-CB32-4A63-AD05-7629B95D2459}" srcOrd="0" destOrd="0" presId="urn:microsoft.com/office/officeart/2005/8/layout/radial3"/>
     <dgm:cxn modelId="{69F8B392-98F9-4B45-88E9-0BF9CB0A195F}" type="presOf" srcId="{6D102249-388E-4114-938C-568F7ED0E962}" destId="{D9604F61-BDB3-4E6F-A280-585AA2A1C241}" srcOrd="0" destOrd="0" presId="urn:microsoft.com/office/officeart/2005/8/layout/radial3"/>
-    <dgm:cxn modelId="{28FB5FDA-8E03-4A8F-BB7A-E854422990A3}" type="presOf" srcId="{EE026548-A6F6-4A96-AA57-2559EC95E4C6}" destId="{4500B9BA-CB32-4A63-AD05-7629B95D2459}" srcOrd="0" destOrd="0" presId="urn:microsoft.com/office/officeart/2005/8/layout/radial3"/>
+    <dgm:cxn modelId="{00224C2E-4935-4EA4-99C7-D648A6949B0C}" type="presOf" srcId="{D6CB3A5A-053D-43D0-A125-D4AA7CF040A6}" destId="{C1753602-CC15-41CB-89D6-1A3964323F87}" srcOrd="0" destOrd="0" presId="urn:microsoft.com/office/officeart/2005/8/layout/radial3"/>
+    <dgm:cxn modelId="{3843A672-BC7F-4312-8D49-8ACBAE6AB588}" type="presOf" srcId="{195B609D-E0A6-4643-94E4-74392A5B746E}" destId="{1F811094-5110-41EA-9A17-3A2ADA062154}" srcOrd="0" destOrd="0" presId="urn:microsoft.com/office/officeart/2005/8/layout/radial3"/>
     <dgm:cxn modelId="{D22A9275-7C80-4A8A-95BE-3AE7D279297B}" srcId="{500B66EE-6459-41B9-8551-16A538215D8A}" destId="{A0933162-57F0-46D1-9FD8-A6A387A51BE6}" srcOrd="0" destOrd="0" parTransId="{F5B2B8F1-F009-4360-AB42-FD9D65685BED}" sibTransId="{6E7ADC34-FCFB-4F76-8BE7-24E08EB1DAAF}"/>
-    <dgm:cxn modelId="{47E45E7A-34B9-4345-9CB6-0839B03D6211}" type="presOf" srcId="{A0933162-57F0-46D1-9FD8-A6A387A51BE6}" destId="{C33DB45A-A779-4B90-A01C-F3A34E6496C7}" srcOrd="0" destOrd="0" presId="urn:microsoft.com/office/officeart/2005/8/layout/radial3"/>
-    <dgm:cxn modelId="{00224C2E-4935-4EA4-99C7-D648A6949B0C}" type="presOf" srcId="{D6CB3A5A-053D-43D0-A125-D4AA7CF040A6}" destId="{C1753602-CC15-41CB-89D6-1A3964323F87}" srcOrd="0" destOrd="0" presId="urn:microsoft.com/office/officeart/2005/8/layout/radial3"/>
+    <dgm:cxn modelId="{49286B75-491F-4619-B181-C717E4286F79}" srcId="{500B66EE-6459-41B9-8551-16A538215D8A}" destId="{EE026548-A6F6-4A96-AA57-2559EC95E4C6}" srcOrd="2" destOrd="0" parTransId="{B6D6729E-8D88-4AF5-A88C-6864495B9A70}" sibTransId="{5E94AA23-C799-4FB5-9657-E69CFCBB24B9}"/>
+    <dgm:cxn modelId="{2D3FBC07-2F6A-4451-81DD-824A5D6640CD}" srcId="{500B66EE-6459-41B9-8551-16A538215D8A}" destId="{6D102249-388E-4114-938C-568F7ED0E962}" srcOrd="4" destOrd="0" parTransId="{B6F73AA6-847B-40CE-82B6-E81EE4DC4ED2}" sibTransId="{DB631314-C805-4D51-B6DC-E58E83E70B3E}"/>
     <dgm:cxn modelId="{B4E3FBD8-2D7C-4766-B56F-0574879D2BDF}" type="presOf" srcId="{500B66EE-6459-41B9-8551-16A538215D8A}" destId="{7CD44EC4-D354-4009-853D-F766D620F791}" srcOrd="0" destOrd="0" presId="urn:microsoft.com/office/officeart/2005/8/layout/radial3"/>
-    <dgm:cxn modelId="{2D3FBC07-2F6A-4451-81DD-824A5D6640CD}" srcId="{500B66EE-6459-41B9-8551-16A538215D8A}" destId="{6D102249-388E-4114-938C-568F7ED0E962}" srcOrd="4" destOrd="0" parTransId="{B6F73AA6-847B-40CE-82B6-E81EE4DC4ED2}" sibTransId="{DB631314-C805-4D51-B6DC-E58E83E70B3E}"/>
-    <dgm:cxn modelId="{49286B75-491F-4619-B181-C717E4286F79}" srcId="{500B66EE-6459-41B9-8551-16A538215D8A}" destId="{EE026548-A6F6-4A96-AA57-2559EC95E4C6}" srcOrd="2" destOrd="0" parTransId="{B6D6729E-8D88-4AF5-A88C-6864495B9A70}" sibTransId="{5E94AA23-C799-4FB5-9657-E69CFCBB24B9}"/>
-    <dgm:cxn modelId="{3843A672-BC7F-4312-8D49-8ACBAE6AB588}" type="presOf" srcId="{195B609D-E0A6-4643-94E4-74392A5B746E}" destId="{1F811094-5110-41EA-9A17-3A2ADA062154}" srcOrd="0" destOrd="0" presId="urn:microsoft.com/office/officeart/2005/8/layout/radial3"/>
-    <dgm:cxn modelId="{1047FB64-838D-43BA-A92A-96CE38D14D19}" type="presOf" srcId="{171E6E53-2E31-4F41-B5C0-C28ED01FF18F}" destId="{DBA730ED-AE8C-408D-AB44-D9231BA99E3A}" srcOrd="0" destOrd="0" presId="urn:microsoft.com/office/officeart/2005/8/layout/radial3"/>
-    <dgm:cxn modelId="{BA07C9C0-E849-4F46-950B-F5D3E92013CD}" srcId="{500B66EE-6459-41B9-8551-16A538215D8A}" destId="{171E6E53-2E31-4F41-B5C0-C28ED01FF18F}" srcOrd="5" destOrd="0" parTransId="{54F0E897-790C-4BE1-AD31-4DB54274557B}" sibTransId="{652CD520-2C16-42B3-9433-547FCC6ECE68}"/>
-    <dgm:cxn modelId="{DDEDA80F-46E7-4872-9F48-BF11BA538A5E}" srcId="{500B66EE-6459-41B9-8551-16A538215D8A}" destId="{30CDFDD1-938E-4643-8F59-6E1138130A8E}" srcOrd="1" destOrd="0" parTransId="{94B2F376-D600-4634-83D1-738DCA4C9077}" sibTransId="{A824C7A2-71E0-4493-AD66-3A98248211E0}"/>
-    <dgm:cxn modelId="{485A7AD4-C164-4F9C-B26C-96A80EEF9E37}" type="presOf" srcId="{30CDFDD1-938E-4643-8F59-6E1138130A8E}" destId="{2CE7DF3D-44DB-466E-B412-159099FBB10A}" srcOrd="0" destOrd="0" presId="urn:microsoft.com/office/officeart/2005/8/layout/radial3"/>
-    <dgm:cxn modelId="{A596CB8A-8E39-4A4D-8F84-8A51D764B326}" srcId="{D6CB3A5A-053D-43D0-A125-D4AA7CF040A6}" destId="{500B66EE-6459-41B9-8551-16A538215D8A}" srcOrd="0" destOrd="0" parTransId="{9878632B-17F8-41B3-B41F-31BA25AD9DF5}" sibTransId="{9D02C961-6363-4D17-B0C9-08987E802229}"/>
     <dgm:cxn modelId="{B043AC6B-1234-44DE-9FF4-D323AB3935AB}" srcId="{500B66EE-6459-41B9-8551-16A538215D8A}" destId="{195B609D-E0A6-4643-94E4-74392A5B746E}" srcOrd="3" destOrd="0" parTransId="{D88DFC7B-BE8C-4FA8-AF6B-935F7BF5D96C}" sibTransId="{DA1CE785-FDB9-4377-880D-3307B5B26BA5}"/>
     <dgm:cxn modelId="{798A3855-7205-4B7B-A9A8-16D08C1B4962}" type="presParOf" srcId="{C1753602-CC15-41CB-89D6-1A3964323F87}" destId="{FEBE7D37-D365-426A-9F52-50B93455DE79}" srcOrd="0" destOrd="0" presId="urn:microsoft.com/office/officeart/2005/8/layout/radial3"/>
     <dgm:cxn modelId="{1CD05D8B-76C9-469C-9D57-7B38D33B4923}" type="presParOf" srcId="{FEBE7D37-D365-426A-9F52-50B93455DE79}" destId="{7CD44EC4-D354-4009-853D-F766D620F791}" srcOrd="0" destOrd="0" presId="urn:microsoft.com/office/officeart/2005/8/layout/radial3"/>
@@ -4232,7 +4180,11 @@
     <dgm:cxn modelId="{D00F7C76-7633-4858-A425-1A26C567CE94}" type="presParOf" srcId="{FEBE7D37-D365-426A-9F52-50B93455DE79}" destId="{DBA730ED-AE8C-408D-AB44-D9231BA99E3A}" srcOrd="6" destOrd="0" presId="urn:microsoft.com/office/officeart/2005/8/layout/radial3"/>
   </dgm:cxnLst>
   <dgm:bg/>
-  <dgm:whole/>
+  <dgm:whole>
+    <a:ln>
+      <a:noFill/>
+    </a:ln>
+  </dgm:whole>
   <dgm:extLst>
     <a:ext uri="http://schemas.microsoft.com/office/drawing/2008/diagram">
       <dsp:dataModelExt xmlns:dsp="http://schemas.microsoft.com/office/drawing/2008/diagram" relId="rId6" minVer="http://schemas.openxmlformats.org/drawingml/2006/diagram"/>
@@ -5504,8 +5456,8 @@
       </dsp:nvSpPr>
       <dsp:spPr>
         <a:xfrm>
-          <a:off x="1494166" y="1026114"/>
-          <a:ext cx="2556283" cy="2556283"/>
+          <a:off x="1610360" y="932830"/>
+          <a:ext cx="2323894" cy="2323894"/>
         </a:xfrm>
         <a:prstGeom prst="ellipse">
           <a:avLst/>
@@ -5577,8 +5529,8 @@
         </a:p>
       </dsp:txBody>
       <dsp:txXfrm>
-        <a:off x="1868525" y="1400473"/>
-        <a:ext cx="1807565" cy="1807565"/>
+        <a:off x="1950686" y="1273156"/>
+        <a:ext cx="1643242" cy="1643242"/>
       </dsp:txXfrm>
     </dsp:sp>
     <dsp:sp modelId="{C33DB45A-A779-4B90-A01C-F3A34E6496C7}">
@@ -5588,42 +5540,15 @@
       </dsp:nvSpPr>
       <dsp:spPr>
         <a:xfrm>
-          <a:off x="2133237" y="456"/>
-          <a:ext cx="1278141" cy="1278141"/>
+          <a:off x="2191334" y="414"/>
+          <a:ext cx="1161947" cy="1161947"/>
         </a:xfrm>
         <a:prstGeom prst="ellipse">
           <a:avLst/>
         </a:prstGeom>
-        <a:gradFill rotWithShape="0">
-          <a:gsLst>
-            <a:gs pos="0">
-              <a:schemeClr val="tx2"/>
-            </a:gs>
-            <a:gs pos="100000">
-              <a:schemeClr val="accent1">
-                <a:tint val="44500"/>
-                <a:satMod val="160000"/>
-              </a:schemeClr>
-            </a:gs>
-            <a:gs pos="100000">
-              <a:schemeClr val="accent1">
-                <a:tint val="23500"/>
-                <a:satMod val="160000"/>
-                <a:lumMod val="30000"/>
-              </a:schemeClr>
-            </a:gs>
-          </a:gsLst>
-          <a:lin ang="5400000" scaled="0"/>
-        </a:gradFill>
+        <a:noFill/>
         <a:ln w="25400" cap="rnd" cmpd="sng" algn="ctr">
-          <a:solidFill>
-            <a:schemeClr val="lt1">
-              <a:hueOff val="0"/>
-              <a:satOff val="0"/>
-              <a:lumOff val="0"/>
-              <a:alphaOff val="0"/>
-            </a:schemeClr>
-          </a:solidFill>
+          <a:noFill/>
           <a:prstDash val="solid"/>
         </a:ln>
         <a:effectLst/>
@@ -5643,12 +5568,12 @@
         </a:fontRef>
       </dsp:style>
       <dsp:txBody>
-        <a:bodyPr spcFirstLastPara="0" vert="horz" wrap="square" lIns="19050" tIns="19050" rIns="19050" bIns="19050" numCol="1" spcCol="1270" anchor="ctr" anchorCtr="0">
+        <a:bodyPr spcFirstLastPara="0" vert="horz" wrap="square" lIns="16510" tIns="16510" rIns="16510" bIns="16510" numCol="1" spcCol="1270" anchor="ctr" anchorCtr="0">
           <a:noAutofit/>
         </a:bodyPr>
         <a:lstStyle/>
         <a:p>
-          <a:pPr lvl="0" algn="ctr" defTabSz="666750">
+          <a:pPr lvl="0" algn="ctr" defTabSz="577850">
             <a:lnSpc>
               <a:spcPct val="90000"/>
             </a:lnSpc>
@@ -5660,7 +5585,7 @@
             </a:spcAft>
           </a:pPr>
           <a:r>
-            <a:rPr lang="de-DE" sz="1500" b="1" kern="1200" dirty="0" err="1" smtClean="0">
+            <a:rPr lang="de-DE" sz="1300" b="1" kern="1200" dirty="0" err="1" smtClean="0">
               <a:solidFill>
                 <a:schemeClr val="bg1"/>
               </a:solidFill>
@@ -5669,7 +5594,7 @@
             <a:t>Forest</a:t>
           </a:r>
           <a:r>
-            <a:rPr lang="de-DE" sz="1500" b="1" kern="1200" dirty="0" smtClean="0">
+            <a:rPr lang="de-DE" sz="1300" b="1" kern="1200" dirty="0" smtClean="0">
               <a:solidFill>
                 <a:schemeClr val="bg1"/>
               </a:solidFill>
@@ -5677,7 +5602,7 @@
             </a:rPr>
             <a:t> 3333</a:t>
           </a:r>
-          <a:endParaRPr lang="de-DE" sz="1500" b="1" kern="1200" dirty="0">
+          <a:endParaRPr lang="de-DE" sz="1300" b="1" kern="1200" dirty="0">
             <a:solidFill>
               <a:schemeClr val="bg1"/>
             </a:solidFill>
@@ -5686,8 +5611,8 @@
         </a:p>
       </dsp:txBody>
       <dsp:txXfrm>
-        <a:off x="2320416" y="187635"/>
-        <a:ext cx="903783" cy="903783"/>
+        <a:off x="2361497" y="170577"/>
+        <a:ext cx="821621" cy="821621"/>
       </dsp:txXfrm>
     </dsp:sp>
     <dsp:sp modelId="{2CE7DF3D-44DB-466E-B412-159099FBB10A}">
@@ -5697,32 +5622,15 @@
       </dsp:nvSpPr>
       <dsp:spPr>
         <a:xfrm>
-          <a:off x="3574934" y="832820"/>
-          <a:ext cx="1278141" cy="1278141"/>
+          <a:off x="3501968" y="757109"/>
+          <a:ext cx="1161947" cy="1161947"/>
         </a:xfrm>
         <a:prstGeom prst="ellipse">
           <a:avLst/>
         </a:prstGeom>
-        <a:gradFill rotWithShape="0">
-          <a:gsLst>
-            <a:gs pos="0">
-              <a:schemeClr val="bg1"/>
-            </a:gs>
-            <a:gs pos="100000">
-              <a:schemeClr val="bg1"/>
-            </a:gs>
-          </a:gsLst>
-          <a:lin ang="5400000" scaled="0"/>
-        </a:gradFill>
+        <a:noFill/>
         <a:ln w="25400" cap="rnd" cmpd="sng" algn="ctr">
-          <a:solidFill>
-            <a:schemeClr val="lt1">
-              <a:hueOff val="0"/>
-              <a:satOff val="0"/>
-              <a:lumOff val="0"/>
-              <a:alphaOff val="0"/>
-            </a:schemeClr>
-          </a:solidFill>
+          <a:noFill/>
           <a:prstDash val="solid"/>
         </a:ln>
         <a:effectLst/>
@@ -5742,12 +5650,12 @@
         </a:fontRef>
       </dsp:style>
       <dsp:txBody>
-        <a:bodyPr spcFirstLastPara="0" vert="horz" wrap="square" lIns="19050" tIns="19050" rIns="19050" bIns="19050" numCol="1" spcCol="1270" anchor="ctr" anchorCtr="0">
+        <a:bodyPr spcFirstLastPara="0" vert="horz" wrap="square" lIns="16510" tIns="16510" rIns="16510" bIns="16510" numCol="1" spcCol="1270" anchor="ctr" anchorCtr="0">
           <a:noAutofit/>
         </a:bodyPr>
         <a:lstStyle/>
         <a:p>
-          <a:pPr lvl="0" algn="ctr" defTabSz="666750">
+          <a:pPr lvl="0" algn="ctr" defTabSz="577850">
             <a:lnSpc>
               <a:spcPct val="90000"/>
             </a:lnSpc>
@@ -5759,7 +5667,7 @@
             </a:spcAft>
           </a:pPr>
           <a:r>
-            <a:rPr lang="de-DE" sz="1500" b="1" kern="1200" dirty="0" err="1" smtClean="0">
+            <a:rPr lang="de-DE" sz="1300" b="1" kern="1200" dirty="0" err="1" smtClean="0">
               <a:solidFill>
                 <a:schemeClr val="bg1"/>
               </a:solidFill>
@@ -5767,7 +5675,7 @@
             </a:rPr>
             <a:t>Effingo</a:t>
           </a:r>
-          <a:endParaRPr lang="de-DE" sz="1500" b="1" kern="1200" dirty="0">
+          <a:endParaRPr lang="de-DE" sz="1300" b="1" kern="1200" dirty="0">
             <a:solidFill>
               <a:schemeClr val="bg1"/>
             </a:solidFill>
@@ -5776,8 +5684,8 @@
         </a:p>
       </dsp:txBody>
       <dsp:txXfrm>
-        <a:off x="3762113" y="1019999"/>
-        <a:ext cx="903783" cy="903783"/>
+        <a:off x="3672131" y="927272"/>
+        <a:ext cx="821621" cy="821621"/>
       </dsp:txXfrm>
     </dsp:sp>
     <dsp:sp modelId="{4500B9BA-CB32-4A63-AD05-7629B95D2459}">
@@ -5787,32 +5695,15 @@
       </dsp:nvSpPr>
       <dsp:spPr>
         <a:xfrm>
-          <a:off x="3574934" y="2497549"/>
-          <a:ext cx="1278141" cy="1278141"/>
+          <a:off x="3501968" y="2270499"/>
+          <a:ext cx="1161947" cy="1161947"/>
         </a:xfrm>
         <a:prstGeom prst="ellipse">
           <a:avLst/>
         </a:prstGeom>
-        <a:gradFill rotWithShape="0">
-          <a:gsLst>
-            <a:gs pos="0">
-              <a:schemeClr val="bg1"/>
-            </a:gs>
-            <a:gs pos="100000">
-              <a:schemeClr val="bg1"/>
-            </a:gs>
-          </a:gsLst>
-          <a:lin ang="5400000" scaled="0"/>
-        </a:gradFill>
+        <a:noFill/>
         <a:ln w="25400" cap="rnd" cmpd="sng" algn="ctr">
-          <a:solidFill>
-            <a:schemeClr val="lt1">
-              <a:hueOff val="0"/>
-              <a:satOff val="0"/>
-              <a:lumOff val="0"/>
-              <a:alphaOff val="0"/>
-            </a:schemeClr>
-          </a:solidFill>
+          <a:noFill/>
           <a:prstDash val="solid"/>
         </a:ln>
         <a:effectLst/>
@@ -5832,12 +5723,12 @@
         </a:fontRef>
       </dsp:style>
       <dsp:txBody>
-        <a:bodyPr spcFirstLastPara="0" vert="horz" wrap="square" lIns="19050" tIns="19050" rIns="19050" bIns="19050" numCol="1" spcCol="1270" anchor="ctr" anchorCtr="0">
+        <a:bodyPr spcFirstLastPara="0" vert="horz" wrap="square" lIns="16510" tIns="16510" rIns="16510" bIns="16510" numCol="1" spcCol="1270" anchor="ctr" anchorCtr="0">
           <a:noAutofit/>
         </a:bodyPr>
         <a:lstStyle/>
         <a:p>
-          <a:pPr lvl="0" algn="ctr" defTabSz="666750">
+          <a:pPr lvl="0" algn="ctr" defTabSz="577850">
             <a:lnSpc>
               <a:spcPct val="90000"/>
             </a:lnSpc>
@@ -5848,7 +5739,7 @@
               <a:spcPct val="35000"/>
             </a:spcAft>
           </a:pPr>
-          <a:endParaRPr lang="de-DE" sz="1500" b="1" kern="1200" dirty="0">
+          <a:endParaRPr lang="de-DE" sz="1300" b="1" kern="1200" dirty="0">
             <a:solidFill>
               <a:schemeClr val="bg1"/>
             </a:solidFill>
@@ -5857,8 +5748,8 @@
         </a:p>
       </dsp:txBody>
       <dsp:txXfrm>
-        <a:off x="3762113" y="2684728"/>
-        <a:ext cx="903783" cy="903783"/>
+        <a:off x="3672131" y="2440662"/>
+        <a:ext cx="821621" cy="821621"/>
       </dsp:txXfrm>
     </dsp:sp>
     <dsp:sp modelId="{1F811094-5110-41EA-9A17-3A2ADA062154}">
@@ -5868,32 +5759,15 @@
       </dsp:nvSpPr>
       <dsp:spPr>
         <a:xfrm>
-          <a:off x="2133237" y="3329913"/>
-          <a:ext cx="1278141" cy="1278141"/>
+          <a:off x="2191334" y="3027194"/>
+          <a:ext cx="1161947" cy="1161947"/>
         </a:xfrm>
         <a:prstGeom prst="ellipse">
           <a:avLst/>
         </a:prstGeom>
-        <a:gradFill rotWithShape="0">
-          <a:gsLst>
-            <a:gs pos="0">
-              <a:schemeClr val="bg1"/>
-            </a:gs>
-            <a:gs pos="100000">
-              <a:schemeClr val="bg1"/>
-            </a:gs>
-          </a:gsLst>
-          <a:lin ang="5400000" scaled="0"/>
-        </a:gradFill>
+        <a:noFill/>
         <a:ln w="25400" cap="rnd" cmpd="sng" algn="ctr">
-          <a:solidFill>
-            <a:schemeClr val="lt1">
-              <a:hueOff val="0"/>
-              <a:satOff val="0"/>
-              <a:lumOff val="0"/>
-              <a:alphaOff val="0"/>
-            </a:schemeClr>
-          </a:solidFill>
+          <a:noFill/>
           <a:prstDash val="solid"/>
         </a:ln>
         <a:effectLst/>
@@ -5913,12 +5787,12 @@
         </a:fontRef>
       </dsp:style>
       <dsp:txBody>
-        <a:bodyPr spcFirstLastPara="0" vert="horz" wrap="square" lIns="19050" tIns="19050" rIns="19050" bIns="19050" numCol="1" spcCol="1270" anchor="ctr" anchorCtr="0">
+        <a:bodyPr spcFirstLastPara="0" vert="horz" wrap="square" lIns="16510" tIns="16510" rIns="16510" bIns="16510" numCol="1" spcCol="1270" anchor="ctr" anchorCtr="0">
           <a:noAutofit/>
         </a:bodyPr>
         <a:lstStyle/>
         <a:p>
-          <a:pPr lvl="0" algn="ctr" defTabSz="666750">
+          <a:pPr lvl="0" algn="ctr" defTabSz="577850">
             <a:lnSpc>
               <a:spcPct val="90000"/>
             </a:lnSpc>
@@ -5930,7 +5804,7 @@
             </a:spcAft>
           </a:pPr>
           <a:r>
-            <a:rPr lang="de-DE" sz="1500" b="1" kern="1200" dirty="0" err="1" smtClean="0">
+            <a:rPr lang="de-DE" sz="1300" b="1" kern="1200" dirty="0" err="1" smtClean="0">
               <a:solidFill>
                 <a:schemeClr val="bg1"/>
               </a:solidFill>
@@ -5938,7 +5812,7 @@
             </a:rPr>
             <a:t>WebKnox</a:t>
           </a:r>
-          <a:endParaRPr lang="de-DE" sz="1500" b="1" kern="1200" dirty="0">
+          <a:endParaRPr lang="de-DE" sz="1300" b="1" kern="1200" dirty="0">
             <a:solidFill>
               <a:schemeClr val="bg1"/>
             </a:solidFill>
@@ -5947,8 +5821,8 @@
         </a:p>
       </dsp:txBody>
       <dsp:txXfrm>
-        <a:off x="2320416" y="3517092"/>
-        <a:ext cx="903783" cy="903783"/>
+        <a:off x="2361497" y="3197357"/>
+        <a:ext cx="821621" cy="821621"/>
       </dsp:txXfrm>
     </dsp:sp>
     <dsp:sp modelId="{D9604F61-BDB3-4E6F-A280-585AA2A1C241}">
@@ -5958,32 +5832,15 @@
       </dsp:nvSpPr>
       <dsp:spPr>
         <a:xfrm>
-          <a:off x="691539" y="2497549"/>
-          <a:ext cx="1278141" cy="1278141"/>
+          <a:off x="880700" y="2270499"/>
+          <a:ext cx="1161947" cy="1161947"/>
         </a:xfrm>
         <a:prstGeom prst="ellipse">
           <a:avLst/>
         </a:prstGeom>
-        <a:gradFill rotWithShape="0">
-          <a:gsLst>
-            <a:gs pos="0">
-              <a:schemeClr val="bg1"/>
-            </a:gs>
-            <a:gs pos="100000">
-              <a:schemeClr val="bg1"/>
-            </a:gs>
-          </a:gsLst>
-          <a:lin ang="5400000" scaled="0"/>
-        </a:gradFill>
+        <a:noFill/>
         <a:ln w="25400" cap="rnd" cmpd="sng" algn="ctr">
-          <a:solidFill>
-            <a:schemeClr val="lt1">
-              <a:hueOff val="0"/>
-              <a:satOff val="0"/>
-              <a:lumOff val="0"/>
-              <a:alphaOff val="0"/>
-            </a:schemeClr>
-          </a:solidFill>
+          <a:noFill/>
           <a:prstDash val="solid"/>
         </a:ln>
         <a:effectLst/>
@@ -6003,12 +5860,12 @@
         </a:fontRef>
       </dsp:style>
       <dsp:txBody>
-        <a:bodyPr spcFirstLastPara="0" vert="horz" wrap="square" lIns="19050" tIns="19050" rIns="19050" bIns="19050" numCol="1" spcCol="1270" anchor="ctr" anchorCtr="0">
+        <a:bodyPr spcFirstLastPara="0" vert="horz" wrap="square" lIns="16510" tIns="16510" rIns="16510" bIns="16510" numCol="1" spcCol="1270" anchor="ctr" anchorCtr="0">
           <a:noAutofit/>
         </a:bodyPr>
         <a:lstStyle/>
         <a:p>
-          <a:pPr lvl="0" algn="ctr" defTabSz="666750">
+          <a:pPr lvl="0" algn="ctr" defTabSz="577850">
             <a:lnSpc>
               <a:spcPct val="90000"/>
             </a:lnSpc>
@@ -6019,7 +5876,7 @@
               <a:spcPct val="35000"/>
             </a:spcAft>
           </a:pPr>
-          <a:endParaRPr lang="de-DE" sz="1500" b="1" kern="1200" dirty="0">
+          <a:endParaRPr lang="de-DE" sz="1300" b="1" kern="1200" dirty="0">
             <a:solidFill>
               <a:schemeClr val="bg1"/>
             </a:solidFill>
@@ -6028,8 +5885,8 @@
         </a:p>
       </dsp:txBody>
       <dsp:txXfrm>
-        <a:off x="878718" y="2684728"/>
-        <a:ext cx="903783" cy="903783"/>
+        <a:off x="1050863" y="2440662"/>
+        <a:ext cx="821621" cy="821621"/>
       </dsp:txXfrm>
     </dsp:sp>
     <dsp:sp modelId="{DBA730ED-AE8C-408D-AB44-D9231BA99E3A}">
@@ -6039,32 +5896,15 @@
       </dsp:nvSpPr>
       <dsp:spPr>
         <a:xfrm>
-          <a:off x="691539" y="832820"/>
-          <a:ext cx="1278141" cy="1278141"/>
+          <a:off x="880700" y="757109"/>
+          <a:ext cx="1161947" cy="1161947"/>
         </a:xfrm>
         <a:prstGeom prst="ellipse">
           <a:avLst/>
         </a:prstGeom>
-        <a:gradFill rotWithShape="0">
-          <a:gsLst>
-            <a:gs pos="0">
-              <a:schemeClr val="bg1"/>
-            </a:gs>
-            <a:gs pos="100000">
-              <a:schemeClr val="bg1"/>
-            </a:gs>
-          </a:gsLst>
-          <a:lin ang="5400000" scaled="0"/>
-        </a:gradFill>
+        <a:noFill/>
         <a:ln w="25400" cap="rnd" cmpd="sng" algn="ctr">
-          <a:solidFill>
-            <a:schemeClr val="lt1">
-              <a:hueOff val="0"/>
-              <a:satOff val="0"/>
-              <a:lumOff val="0"/>
-              <a:alphaOff val="0"/>
-            </a:schemeClr>
-          </a:solidFill>
+          <a:noFill/>
           <a:prstDash val="solid"/>
         </a:ln>
         <a:effectLst/>
@@ -6084,12 +5924,12 @@
         </a:fontRef>
       </dsp:style>
       <dsp:txBody>
-        <a:bodyPr spcFirstLastPara="0" vert="horz" wrap="square" lIns="19050" tIns="19050" rIns="19050" bIns="19050" numCol="1" spcCol="1270" anchor="ctr" anchorCtr="0">
+        <a:bodyPr spcFirstLastPara="0" vert="horz" wrap="square" lIns="16510" tIns="16510" rIns="16510" bIns="16510" numCol="1" spcCol="1270" anchor="ctr" anchorCtr="0">
           <a:noAutofit/>
         </a:bodyPr>
         <a:lstStyle/>
         <a:p>
-          <a:pPr lvl="0" algn="ctr" defTabSz="666750">
+          <a:pPr lvl="0" algn="ctr" defTabSz="577850">
             <a:lnSpc>
               <a:spcPct val="90000"/>
             </a:lnSpc>
@@ -6101,7 +5941,7 @@
             </a:spcAft>
           </a:pPr>
           <a:r>
-            <a:rPr lang="de-DE" sz="1500" b="1" kern="1200" dirty="0" err="1" smtClean="0">
+            <a:rPr lang="de-DE" sz="1300" b="1" kern="1200" dirty="0" err="1" smtClean="0">
               <a:solidFill>
                 <a:schemeClr val="bg1"/>
               </a:solidFill>
@@ -6109,7 +5949,7 @@
             </a:rPr>
             <a:t>Intellix</a:t>
           </a:r>
-          <a:endParaRPr lang="de-DE" sz="1500" b="1" kern="1200" dirty="0">
+          <a:endParaRPr lang="de-DE" sz="1300" b="1" kern="1200" dirty="0">
             <a:solidFill>
               <a:schemeClr val="bg1"/>
             </a:solidFill>
@@ -6118,8 +5958,8 @@
         </a:p>
       </dsp:txBody>
       <dsp:txXfrm>
-        <a:off x="878718" y="1019999"/>
-        <a:ext cx="903783" cy="903783"/>
+        <a:off x="1050863" y="927272"/>
+        <a:ext cx="821621" cy="821621"/>
       </dsp:txXfrm>
     </dsp:sp>
   </dsp:spTree>
@@ -10295,7 +10135,7 @@
           <a:p>
             <a:fld id="{E5FEDC99-0822-4094-8F2F-A7E930080A0D}" type="datetimeFigureOut">
               <a:rPr lang="de-DE" smtClean="0"/>
-              <a:t>04.03.2011</a:t>
+              <a:t>09.03.2011</a:t>
             </a:fld>
             <a:endParaRPr lang="de-DE"/>
           </a:p>
@@ -10751,7 +10591,7 @@
           <a:p>
             <a:fld id="{27C77BB0-BA94-4184-B455-B24D44454D14}" type="datetime1">
               <a:rPr lang="de-DE" smtClean="0"/>
-              <a:t>04.03.2011</a:t>
+              <a:t>09.03.2011</a:t>
             </a:fld>
             <a:endParaRPr lang="de-DE"/>
           </a:p>
@@ -11104,7 +10944,7 @@
           <a:p>
             <a:fld id="{4B55095B-8FB4-4CBD-B466-4B4FEAA2D38A}" type="datetime1">
               <a:rPr lang="de-DE" smtClean="0"/>
-              <a:t>04.03.2011</a:t>
+              <a:t>09.03.2011</a:t>
             </a:fld>
             <a:endParaRPr lang="de-DE"/>
           </a:p>
@@ -11279,7 +11119,7 @@
           <a:p>
             <a:fld id="{155DCF71-13DC-4BD7-A086-D45BE49CE99A}" type="datetime1">
               <a:rPr lang="de-DE" smtClean="0"/>
-              <a:t>04.03.2011</a:t>
+              <a:t>09.03.2011</a:t>
             </a:fld>
             <a:endParaRPr lang="de-DE"/>
           </a:p>
@@ -11444,7 +11284,7 @@
           <a:p>
             <a:fld id="{3E168CF9-B890-4A8E-9B15-F105BF783AAB}" type="datetime1">
               <a:rPr lang="de-DE" smtClean="0"/>
-              <a:t>04.03.2011</a:t>
+              <a:t>09.03.2011</a:t>
             </a:fld>
             <a:endParaRPr lang="de-DE"/>
           </a:p>
@@ -11873,7 +11713,7 @@
           <a:p>
             <a:fld id="{AD50ED05-8517-4051-8B04-3A7B3115F113}" type="datetime1">
               <a:rPr lang="de-DE" smtClean="0"/>
-              <a:t>04.03.2011</a:t>
+              <a:t>09.03.2011</a:t>
             </a:fld>
             <a:endParaRPr lang="de-DE"/>
           </a:p>
@@ -12227,7 +12067,7 @@
           <a:p>
             <a:fld id="{D397E74E-6024-4667-B7D8-0813128B825B}" type="datetime1">
               <a:rPr lang="de-DE" smtClean="0"/>
-              <a:t>04.03.2011</a:t>
+              <a:t>09.03.2011</a:t>
             </a:fld>
             <a:endParaRPr lang="de-DE"/>
           </a:p>
@@ -12644,7 +12484,7 @@
           <a:p>
             <a:fld id="{42057049-7316-4683-AF0F-D06237E0E0EF}" type="datetime1">
               <a:rPr lang="de-DE" smtClean="0"/>
-              <a:t>04.03.2011</a:t>
+              <a:t>09.03.2011</a:t>
             </a:fld>
             <a:endParaRPr lang="de-DE"/>
           </a:p>
@@ -12757,7 +12597,7 @@
           <a:p>
             <a:fld id="{F1116412-ACF1-4A76-8EB3-9851B0257BE5}" type="datetime1">
               <a:rPr lang="de-DE" smtClean="0"/>
-              <a:t>04.03.2011</a:t>
+              <a:t>09.03.2011</a:t>
             </a:fld>
             <a:endParaRPr lang="de-DE"/>
           </a:p>
@@ -12847,7 +12687,7 @@
           <a:p>
             <a:fld id="{346403E1-4537-4A32-A878-4C91F6568AF7}" type="datetime1">
               <a:rPr lang="de-DE" smtClean="0"/>
-              <a:t>04.03.2011</a:t>
+              <a:t>09.03.2011</a:t>
             </a:fld>
             <a:endParaRPr lang="de-DE"/>
           </a:p>
@@ -13119,7 +12959,7 @@
           <a:p>
             <a:fld id="{BD4B80FA-652A-4B8F-9171-02A38DD5036A}" type="datetime1">
               <a:rPr lang="de-DE" smtClean="0"/>
-              <a:t>04.03.2011</a:t>
+              <a:t>09.03.2011</a:t>
             </a:fld>
             <a:endParaRPr lang="de-DE"/>
           </a:p>
@@ -13367,7 +13207,7 @@
           <a:p>
             <a:fld id="{E8BE271F-FE10-41A3-839C-25A6D1AE4E91}" type="datetime1">
               <a:rPr lang="de-DE" smtClean="0"/>
-              <a:t>04.03.2011</a:t>
+              <a:t>09.03.2011</a:t>
             </a:fld>
             <a:endParaRPr lang="de-DE"/>
           </a:p>
@@ -13575,7 +13415,7 @@
           <a:p>
             <a:fld id="{D60A181C-864E-4E20-9B94-0AB4F1DF6C9C}" type="datetime1">
               <a:rPr lang="de-DE" smtClean="0"/>
-              <a:t>04.03.2011</a:t>
+              <a:t>09.03.2011</a:t>
             </a:fld>
             <a:endParaRPr lang="de-DE"/>
           </a:p>
@@ -19796,14 +19636,14 @@
           <p:nvPr>
             <p:extLst>
               <p:ext uri="{D42A27DB-BD31-4B8C-83A1-F6EECF244321}">
-                <p14:modId xmlns:p14="http://schemas.microsoft.com/office/powerpoint/2010/main" val="3022850955"/>
+                <p14:modId xmlns:p14="http://schemas.microsoft.com/office/powerpoint/2010/main" val="3793246140"/>
               </p:ext>
             </p:extLst>
           </p:nvPr>
         </p:nvGraphicFramePr>
         <p:xfrm>
-          <a:off x="1835696" y="1412776"/>
-          <a:ext cx="5544616" cy="4608512"/>
+          <a:off x="1835696" y="1615708"/>
+          <a:ext cx="5544616" cy="4189556"/>
         </p:xfrm>
         <a:graphic>
           <a:graphicData uri="http://schemas.openxmlformats.org/drawingml/2006/diagram">
@@ -19813,61 +19653,6 @@
       </p:graphicFrame>
       <p:pic>
         <p:nvPicPr>
-          <p:cNvPr id="2050" name="Picture 2"/>
-          <p:cNvPicPr>
-            <a:picLocks noChangeAspect="1" noChangeArrowheads="1"/>
-          </p:cNvPicPr>
-          <p:nvPr/>
-        </p:nvPicPr>
-        <p:blipFill>
-          <a:blip r:embed="rId7" cstate="print">
-            <a:extLst>
-              <a:ext uri="{BEBA8EAE-BF5A-486C-A8C5-ECC9F3942E4B}">
-                <a14:imgProps xmlns:a14="http://schemas.microsoft.com/office/drawing/2010/main">
-                  <a14:imgLayer r:embed="rId8">
-                    <a14:imgEffect>
-                      <a14:backgroundRemoval t="3721" b="96512" l="0" r="95760">
-                        <a14:foregroundMark x1="47703" y1="14651" x2="48057" y2="15349"/>
-                        <a14:foregroundMark x1="51590" y1="20930" x2="61131" y2="36512"/>
-                        <a14:foregroundMark x1="59011" y1="38837" x2="36042" y2="28140"/>
-                        <a14:foregroundMark x1="49470" y1="47674" x2="51943" y2="65814"/>
-                        <a14:foregroundMark x1="84099" y1="59302" x2="81625" y2="72558"/>
-                        <a14:foregroundMark x1="84806" y1="70930" x2="77739" y2="85581"/>
-                        <a14:foregroundMark x1="96466" y1="72093" x2="96466" y2="56047"/>
-                        <a14:foregroundMark x1="51943" y1="3953" x2="45583" y2="3721"/>
-                        <a14:foregroundMark x1="24028" y1="93721" x2="24735" y2="96512"/>
-                      </a14:backgroundRemoval>
-                    </a14:imgEffect>
-                  </a14:imgLayer>
-                </a14:imgProps>
-              </a:ext>
-              <a:ext uri="{28A0092B-C50C-407E-A947-70E740481C1C}">
-                <a14:useLocalDpi xmlns:a14="http://schemas.microsoft.com/office/drawing/2010/main" val="0"/>
-              </a:ext>
-            </a:extLst>
-          </a:blip>
-          <a:srcRect/>
-          <a:stretch>
-            <a:fillRect/>
-          </a:stretch>
-        </p:blipFill>
-        <p:spPr bwMode="auto">
-          <a:xfrm>
-            <a:off x="4129472" y="3140968"/>
-            <a:ext cx="936104" cy="1422348"/>
-          </a:xfrm>
-          <a:prstGeom prst="rect">
-            <a:avLst/>
-          </a:prstGeom>
-          <a:noFill/>
-          <a:ln>
-            <a:noFill/>
-          </a:ln>
-          <a:effectLst/>
-        </p:spPr>
-      </p:pic>
-      <p:pic>
-        <p:nvPicPr>
           <p:cNvPr id="1026" name="Picture 2"/>
           <p:cNvPicPr>
             <a:picLocks noChangeAspect="1" noChangeArrowheads="1"/>
@@ -19875,7 +19660,7 @@
           <p:nvPr/>
         </p:nvPicPr>
         <p:blipFill>
-          <a:blip r:embed="rId9">
+          <a:blip r:embed="rId7">
             <a:extLst>
               <a:ext uri="{28A0092B-C50C-407E-A947-70E740481C1C}">
                 <a14:useLocalDpi xmlns:a14="http://schemas.microsoft.com/office/drawing/2010/main" val="0"/>
@@ -19982,7 +19767,7 @@
           <p:nvPr/>
         </p:nvPicPr>
         <p:blipFill>
-          <a:blip r:embed="rId10">
+          <a:blip r:embed="rId8">
             <a:extLst>
               <a:ext uri="{28A0092B-C50C-407E-A947-70E740481C1C}">
                 <a14:useLocalDpi xmlns:a14="http://schemas.microsoft.com/office/drawing/2010/main" val="0"/>
@@ -20046,7 +19831,7 @@
           <p:nvPr/>
         </p:nvPicPr>
         <p:blipFill>
-          <a:blip r:embed="rId11">
+          <a:blip r:embed="rId9">
             <a:extLst>
               <a:ext uri="{28A0092B-C50C-407E-A947-70E740481C1C}">
                 <a14:useLocalDpi xmlns:a14="http://schemas.microsoft.com/office/drawing/2010/main" val="0"/>
@@ -20135,9 +19920,148 @@
           </a:p>
         </p:txBody>
       </p:sp>
+      <p:sp>
+        <p:nvSpPr>
+          <p:cNvPr id="14" name="Textfeld 13"/>
+          <p:cNvSpPr txBox="1"/>
+          <p:nvPr/>
+        </p:nvSpPr>
+        <p:spPr>
+          <a:xfrm>
+            <a:off x="2771800" y="3342536"/>
+            <a:ext cx="851515" cy="369332"/>
+          </a:xfrm>
+          <a:prstGeom prst="rect">
+            <a:avLst/>
+          </a:prstGeom>
+          <a:noFill/>
+        </p:spPr>
+        <p:txBody>
+          <a:bodyPr wrap="none" rtlCol="0">
+            <a:spAutoFit/>
+          </a:bodyPr>
+          <a:lstStyle/>
+          <a:p>
+            <a:r>
+              <a:rPr lang="de-DE" dirty="0" err="1" smtClean="0">
+                <a:latin typeface="Univers 45 Light" pitchFamily="2" charset="0"/>
+              </a:rPr>
+              <a:t>Intellix</a:t>
+            </a:r>
+            <a:endParaRPr lang="de-DE" dirty="0">
+              <a:latin typeface="Univers 45 Light" pitchFamily="2" charset="0"/>
+            </a:endParaRPr>
+          </a:p>
+        </p:txBody>
+      </p:sp>
       <p:pic>
         <p:nvPicPr>
-          <p:cNvPr id="1031" name="Picture 7"/>
+          <p:cNvPr id="7" name="Picture 2"/>
+          <p:cNvPicPr>
+            <a:picLocks noChangeAspect="1" noChangeArrowheads="1"/>
+          </p:cNvPicPr>
+          <p:nvPr/>
+        </p:nvPicPr>
+        <p:blipFill>
+          <a:blip r:embed="rId10" cstate="print">
+            <a:extLst>
+              <a:ext uri="{28A0092B-C50C-407E-A947-70E740481C1C}">
+                <a14:useLocalDpi xmlns:a14="http://schemas.microsoft.com/office/drawing/2010/main" val="0"/>
+              </a:ext>
+            </a:extLst>
+          </a:blip>
+          <a:srcRect/>
+          <a:stretch>
+            <a:fillRect/>
+          </a:stretch>
+        </p:blipFill>
+        <p:spPr bwMode="auto">
+          <a:xfrm>
+            <a:off x="5724128" y="2340135"/>
+            <a:ext cx="1004667" cy="1143721"/>
+          </a:xfrm>
+          <a:prstGeom prst="rect">
+            <a:avLst/>
+          </a:prstGeom>
+          <a:noFill/>
+          <a:ln>
+            <a:noFill/>
+          </a:ln>
+          <a:effectLst/>
+          <a:extLst>
+            <a:ext uri="{909E8E84-426E-40DD-AFC4-6F175D3DCCD1}">
+              <a14:hiddenFill xmlns:a14="http://schemas.microsoft.com/office/drawing/2010/main">
+                <a:solidFill>
+                  <a:schemeClr val="accent1"/>
+                </a:solidFill>
+              </a14:hiddenFill>
+            </a:ext>
+            <a:ext uri="{91240B29-F687-4F45-9708-019B960494DF}">
+              <a14:hiddenLine xmlns:a14="http://schemas.microsoft.com/office/drawing/2010/main" w="9525">
+                <a:solidFill>
+                  <a:schemeClr val="tx1"/>
+                </a:solidFill>
+                <a:miter lim="800000"/>
+                <a:headEnd/>
+                <a:tailEnd/>
+              </a14:hiddenLine>
+            </a:ext>
+            <a:ext uri="{AF507438-7753-43E0-B8FC-AC1667EBCBE1}">
+              <a14:hiddenEffects xmlns:a14="http://schemas.microsoft.com/office/drawing/2010/main">
+                <a:effectLst>
+                  <a:outerShdw dist="35921" dir="2700000" algn="ctr" rotWithShape="0">
+                    <a:schemeClr val="bg2"/>
+                  </a:outerShdw>
+                </a:effectLst>
+              </a14:hiddenEffects>
+            </a:ext>
+          </a:extLst>
+        </p:spPr>
+      </p:pic>
+      <p:pic>
+        <p:nvPicPr>
+          <p:cNvPr id="1027" name="Picture 3" descr="C:\Programming\Palladian\documentation\book\img\Palladian_Logo_DRAFT.png"/>
+          <p:cNvPicPr>
+            <a:picLocks noChangeAspect="1" noChangeArrowheads="1"/>
+          </p:cNvPicPr>
+          <p:nvPr/>
+        </p:nvPicPr>
+        <p:blipFill>
+          <a:blip r:embed="rId11" cstate="print">
+            <a:extLst>
+              <a:ext uri="{28A0092B-C50C-407E-A947-70E740481C1C}">
+                <a14:useLocalDpi xmlns:a14="http://schemas.microsoft.com/office/drawing/2010/main" val="0"/>
+              </a:ext>
+            </a:extLst>
+          </a:blip>
+          <a:srcRect/>
+          <a:stretch>
+            <a:fillRect/>
+          </a:stretch>
+        </p:blipFill>
+        <p:spPr bwMode="auto">
+          <a:xfrm>
+            <a:off x="3623314" y="2564904"/>
+            <a:ext cx="1945787" cy="2210897"/>
+          </a:xfrm>
+          <a:prstGeom prst="rect">
+            <a:avLst/>
+          </a:prstGeom>
+          <a:noFill/>
+          <a:extLst>
+            <a:ext uri="{909E8E84-426E-40DD-AFC4-6F175D3DCCD1}">
+              <a14:hiddenFill xmlns:a14="http://schemas.microsoft.com/office/drawing/2010/main">
+                <a:solidFill>
+                  <a:srgbClr val="FFFFFF"/>
+                </a:solidFill>
+              </a14:hiddenFill>
+            </a:ext>
+          </a:extLst>
+        </p:spPr>
+      </p:pic>
+      <p:pic>
+        <p:nvPicPr>
+          <p:cNvPr id="1028" name="Picture 4"/>
           <p:cNvPicPr>
             <a:picLocks noChangeAspect="1" noChangeArrowheads="1"/>
           </p:cNvPicPr>
@@ -20158,8 +20082,72 @@
         </p:blipFill>
         <p:spPr bwMode="auto">
           <a:xfrm>
-            <a:off x="5796136" y="2352973"/>
-            <a:ext cx="997393" cy="1118045"/>
+            <a:off x="3843732" y="1844824"/>
+            <a:ext cx="1504950" cy="519113"/>
+          </a:xfrm>
+          <a:prstGeom prst="rect">
+            <a:avLst/>
+          </a:prstGeom>
+          <a:noFill/>
+          <a:ln>
+            <a:noFill/>
+          </a:ln>
+          <a:effectLst/>
+          <a:extLst>
+            <a:ext uri="{909E8E84-426E-40DD-AFC4-6F175D3DCCD1}">
+              <a14:hiddenFill xmlns:a14="http://schemas.microsoft.com/office/drawing/2010/main">
+                <a:solidFill>
+                  <a:schemeClr val="accent1"/>
+                </a:solidFill>
+              </a14:hiddenFill>
+            </a:ext>
+            <a:ext uri="{91240B29-F687-4F45-9708-019B960494DF}">
+              <a14:hiddenLine xmlns:a14="http://schemas.microsoft.com/office/drawing/2010/main" w="9525">
+                <a:solidFill>
+                  <a:schemeClr val="tx1"/>
+                </a:solidFill>
+                <a:miter lim="800000"/>
+                <a:headEnd/>
+                <a:tailEnd/>
+              </a14:hiddenLine>
+            </a:ext>
+            <a:ext uri="{AF507438-7753-43E0-B8FC-AC1667EBCBE1}">
+              <a14:hiddenEffects xmlns:a14="http://schemas.microsoft.com/office/drawing/2010/main">
+                <a:effectLst>
+                  <a:outerShdw dist="35921" dir="2700000" algn="ctr" rotWithShape="0">
+                    <a:schemeClr val="bg2"/>
+                  </a:outerShdw>
+                </a:effectLst>
+              </a14:hiddenEffects>
+            </a:ext>
+          </a:extLst>
+        </p:spPr>
+      </p:pic>
+      <p:pic>
+        <p:nvPicPr>
+          <p:cNvPr id="8" name="Picture 2"/>
+          <p:cNvPicPr>
+            <a:picLocks noChangeAspect="1" noChangeArrowheads="1"/>
+          </p:cNvPicPr>
+          <p:nvPr/>
+        </p:nvPicPr>
+        <p:blipFill>
+          <a:blip r:embed="rId13">
+            <a:extLst>
+              <a:ext uri="{28A0092B-C50C-407E-A947-70E740481C1C}">
+                <a14:useLocalDpi xmlns:a14="http://schemas.microsoft.com/office/drawing/2010/main" val="0"/>
+              </a:ext>
+            </a:extLst>
+          </a:blip>
+          <a:srcRect/>
+          <a:stretch>
+            <a:fillRect/>
+          </a:stretch>
+        </p:blipFill>
+        <p:spPr bwMode="auto">
+          <a:xfrm>
+            <a:off x="7740352" y="2994917"/>
+            <a:ext cx="1200150" cy="1247775"/>
           </a:xfrm>
           <a:prstGeom prst="rect">
             <a:avLst/>
@@ -20201,14 +20189,14 @@
       </p:pic>
       <p:sp>
         <p:nvSpPr>
-          <p:cNvPr id="14" name="Textfeld 13"/>
+          <p:cNvPr id="15" name="Textfeld 14"/>
           <p:cNvSpPr txBox="1"/>
           <p:nvPr/>
         </p:nvSpPr>
         <p:spPr>
           <a:xfrm>
-            <a:off x="2712373" y="3342536"/>
-            <a:ext cx="851515" cy="369332"/>
+            <a:off x="5796136" y="3491716"/>
+            <a:ext cx="905248" cy="369332"/>
           </a:xfrm>
           <a:prstGeom prst="rect">
             <a:avLst/>
@@ -20225,7 +20213,7 @@
               <a:rPr lang="de-DE" dirty="0" err="1" smtClean="0">
                 <a:latin typeface="Univers 45 Light" pitchFamily="2" charset="0"/>
               </a:rPr>
-              <a:t>Intellix</a:t>
+              <a:t>Effingo</a:t>
             </a:r>
             <a:endParaRPr lang="de-DE" dirty="0">
               <a:latin typeface="Univers 45 Light" pitchFamily="2" charset="0"/>
@@ -20292,6 +20280,128 @@
                                         <p:cTn id="7" dur="500"/>
                                         <p:tgtEl>
                                           <p:spTgt spid="6"/>
+                                        </p:tgtEl>
+                                      </p:cBhvr>
+                                    </p:animEffect>
+                                  </p:childTnLst>
+                                </p:cTn>
+                              </p:par>
+                            </p:childTnLst>
+                          </p:cTn>
+                        </p:par>
+                      </p:childTnLst>
+                    </p:cTn>
+                  </p:par>
+                  <p:par>
+                    <p:cTn id="8" fill="hold">
+                      <p:stCondLst>
+                        <p:cond delay="indefinite"/>
+                      </p:stCondLst>
+                      <p:childTnLst>
+                        <p:par>
+                          <p:cTn id="9" fill="hold">
+                            <p:stCondLst>
+                              <p:cond delay="0"/>
+                            </p:stCondLst>
+                            <p:childTnLst>
+                              <p:par>
+                                <p:cTn id="10" presetID="31" presetClass="entr" presetSubtype="0" fill="hold" nodeType="clickEffect">
+                                  <p:stCondLst>
+                                    <p:cond delay="0"/>
+                                  </p:stCondLst>
+                                  <p:childTnLst>
+                                    <p:set>
+                                      <p:cBhvr>
+                                        <p:cTn id="11" dur="1" fill="hold">
+                                          <p:stCondLst>
+                                            <p:cond delay="0"/>
+                                          </p:stCondLst>
+                                        </p:cTn>
+                                        <p:tgtEl>
+                                          <p:spTgt spid="8"/>
+                                        </p:tgtEl>
+                                        <p:attrNameLst>
+                                          <p:attrName>style.visibility</p:attrName>
+                                        </p:attrNameLst>
+                                      </p:cBhvr>
+                                      <p:to>
+                                        <p:strVal val="visible"/>
+                                      </p:to>
+                                    </p:set>
+                                    <p:anim calcmode="lin" valueType="num">
+                                      <p:cBhvr>
+                                        <p:cTn id="12" dur="1000" fill="hold"/>
+                                        <p:tgtEl>
+                                          <p:spTgt spid="8"/>
+                                        </p:tgtEl>
+                                        <p:attrNameLst>
+                                          <p:attrName>ppt_w</p:attrName>
+                                        </p:attrNameLst>
+                                      </p:cBhvr>
+                                      <p:tavLst>
+                                        <p:tav tm="0">
+                                          <p:val>
+                                            <p:fltVal val="0"/>
+                                          </p:val>
+                                        </p:tav>
+                                        <p:tav tm="100000">
+                                          <p:val>
+                                            <p:strVal val="#ppt_w"/>
+                                          </p:val>
+                                        </p:tav>
+                                      </p:tavLst>
+                                    </p:anim>
+                                    <p:anim calcmode="lin" valueType="num">
+                                      <p:cBhvr>
+                                        <p:cTn id="13" dur="1000" fill="hold"/>
+                                        <p:tgtEl>
+                                          <p:spTgt spid="8"/>
+                                        </p:tgtEl>
+                                        <p:attrNameLst>
+                                          <p:attrName>ppt_h</p:attrName>
+                                        </p:attrNameLst>
+                                      </p:cBhvr>
+                                      <p:tavLst>
+                                        <p:tav tm="0">
+                                          <p:val>
+                                            <p:fltVal val="0"/>
+                                          </p:val>
+                                        </p:tav>
+                                        <p:tav tm="100000">
+                                          <p:val>
+                                            <p:strVal val="#ppt_h"/>
+                                          </p:val>
+                                        </p:tav>
+                                      </p:tavLst>
+                                    </p:anim>
+                                    <p:anim calcmode="lin" valueType="num">
+                                      <p:cBhvr>
+                                        <p:cTn id="14" dur="1000" fill="hold"/>
+                                        <p:tgtEl>
+                                          <p:spTgt spid="8"/>
+                                        </p:tgtEl>
+                                        <p:attrNameLst>
+                                          <p:attrName>style.rotation</p:attrName>
+                                        </p:attrNameLst>
+                                      </p:cBhvr>
+                                      <p:tavLst>
+                                        <p:tav tm="0">
+                                          <p:val>
+                                            <p:fltVal val="90"/>
+                                          </p:val>
+                                        </p:tav>
+                                        <p:tav tm="100000">
+                                          <p:val>
+                                            <p:fltVal val="0"/>
+                                          </p:val>
+                                        </p:tav>
+                                      </p:tavLst>
+                                    </p:anim>
+                                    <p:animEffect transition="in" filter="fade">
+                                      <p:cBhvr>
+                                        <p:cTn id="15" dur="1000"/>
+                                        <p:tgtEl>
+                                          <p:spTgt spid="8"/>
                                         </p:tgtEl>
                                       </p:cBhvr>
                                     </p:animEffect>
